--- a/Seconda Presentazione.pptx
+++ b/Seconda Presentazione.pptx
@@ -4942,6 +4942,49 @@
           </a:prstGeom>
         </p:spPr>
       </p:pic>
+      <p:sp>
+        <p:nvSpPr>
+          <p:cNvPr id="2" name="CasellaDiTesto 1">
+            <a:extLst>
+              <a:ext uri="{FF2B5EF4-FFF2-40B4-BE49-F238E27FC236}">
+                <a16:creationId xmlns:a16="http://schemas.microsoft.com/office/drawing/2014/main" id="{9F840BFD-B862-DDAA-5E91-C5E7831E62A1}"/>
+              </a:ext>
+            </a:extLst>
+          </p:cNvPr>
+          <p:cNvSpPr txBox="1"/>
+          <p:nvPr/>
+        </p:nvSpPr>
+        <p:spPr>
+          <a:xfrm>
+            <a:off x="10645140" y="2911054"/>
+            <a:ext cx="1767840" cy="600164"/>
+          </a:xfrm>
+          <a:prstGeom prst="rect">
+            <a:avLst/>
+          </a:prstGeom>
+          <a:noFill/>
+        </p:spPr>
+        <p:txBody>
+          <a:bodyPr wrap="square" rtlCol="0">
+            <a:spAutoFit/>
+          </a:bodyPr>
+          <a:lstStyle/>
+          <a:p>
+            <a:r>
+              <a:rPr lang="it-IT" sz="1100" dirty="0"/>
+              <a:t>Io credo sia meglio tagliare </a:t>
+            </a:r>
+            <a:r>
+              <a:rPr lang="it-IT" sz="1100" dirty="0" err="1"/>
+              <a:t>sull</a:t>
+            </a:r>
+            <a:r>
+              <a:rPr lang="it-IT" sz="1100" dirty="0"/>
+              <a:t> asse y così da vedere bene le derivate vicino 0</a:t>
+            </a:r>
+          </a:p>
+        </p:txBody>
+      </p:sp>
     </p:spTree>
     <p:extLst>
       <p:ext uri="{BB962C8B-B14F-4D97-AF65-F5344CB8AC3E}">
@@ -5244,6 +5287,41 @@
           </a:p>
         </p:txBody>
       </p:sp>
+      <p:sp>
+        <p:nvSpPr>
+          <p:cNvPr id="2" name="CasellaDiTesto 1">
+            <a:extLst>
+              <a:ext uri="{FF2B5EF4-FFF2-40B4-BE49-F238E27FC236}">
+                <a16:creationId xmlns:a16="http://schemas.microsoft.com/office/drawing/2014/main" id="{BC61CF71-8AAF-F608-2955-C1F9ACA4A72E}"/>
+              </a:ext>
+            </a:extLst>
+          </p:cNvPr>
+          <p:cNvSpPr txBox="1"/>
+          <p:nvPr/>
+        </p:nvSpPr>
+        <p:spPr>
+          <a:xfrm>
+            <a:off x="9395460" y="3249649"/>
+            <a:ext cx="2278188" cy="369332"/>
+          </a:xfrm>
+          <a:prstGeom prst="rect">
+            <a:avLst/>
+          </a:prstGeom>
+          <a:noFill/>
+        </p:spPr>
+        <p:txBody>
+          <a:bodyPr wrap="none" rtlCol="0">
+            <a:spAutoFit/>
+          </a:bodyPr>
+          <a:lstStyle/>
+          <a:p>
+            <a:r>
+              <a:rPr lang="it-IT" dirty="0"/>
+              <a:t>È utile? Cosa diciamo?</a:t>
+            </a:r>
+          </a:p>
+        </p:txBody>
+      </p:sp>
     </p:spTree>
     <p:extLst>
       <p:ext uri="{BB962C8B-B14F-4D97-AF65-F5344CB8AC3E}">
@@ -5494,6 +5572,54 @@
           </a:prstGeom>
         </p:spPr>
       </p:pic>
+      <p:sp>
+        <p:nvSpPr>
+          <p:cNvPr id="2" name="CasellaDiTesto 1">
+            <a:extLst>
+              <a:ext uri="{FF2B5EF4-FFF2-40B4-BE49-F238E27FC236}">
+                <a16:creationId xmlns:a16="http://schemas.microsoft.com/office/drawing/2014/main" id="{F8A09B02-D7A0-82CB-C01B-C47A712E00B8}"/>
+              </a:ext>
+            </a:extLst>
+          </p:cNvPr>
+          <p:cNvSpPr txBox="1"/>
+          <p:nvPr/>
+        </p:nvSpPr>
+        <p:spPr>
+          <a:xfrm>
+            <a:off x="9463429" y="2446180"/>
+            <a:ext cx="2322752" cy="369332"/>
+          </a:xfrm>
+          <a:prstGeom prst="rect">
+            <a:avLst/>
+          </a:prstGeom>
+          <a:noFill/>
+        </p:spPr>
+        <p:txBody>
+          <a:bodyPr wrap="none" rtlCol="0">
+            <a:spAutoFit/>
+          </a:bodyPr>
+          <a:lstStyle/>
+          <a:p>
+            <a:r>
+              <a:rPr lang="it-IT" dirty="0"/>
+              <a:t>Idem a </a:t>
+            </a:r>
+            <a:r>
+              <a:rPr lang="it-IT" dirty="0" err="1"/>
+              <a:t>rent</a:t>
+            </a:r>
+            <a:r>
+              <a:rPr lang="it-IT" dirty="0"/>
+              <a:t> </a:t>
+            </a:r>
+            <a:r>
+              <a:rPr lang="it-IT" dirty="0" err="1"/>
+              <a:t>smoothing</a:t>
+            </a:r>
+            <a:endParaRPr lang="it-IT" dirty="0"/>
+          </a:p>
+        </p:txBody>
+      </p:sp>
     </p:spTree>
     <p:extLst>
       <p:ext uri="{BB962C8B-B14F-4D97-AF65-F5344CB8AC3E}">
@@ -5775,7 +5901,7 @@
         </p:blipFill>
         <p:spPr>
           <a:xfrm>
-            <a:off x="4264842" y="3544478"/>
+            <a:off x="4264842" y="3552098"/>
             <a:ext cx="3172905" cy="3172905"/>
           </a:xfrm>
           <a:prstGeom prst="rect">
@@ -5783,6 +5909,46 @@
           </a:prstGeom>
         </p:spPr>
       </p:pic>
+      <p:sp>
+        <p:nvSpPr>
+          <p:cNvPr id="2" name="CasellaDiTesto 1">
+            <a:extLst>
+              <a:ext uri="{FF2B5EF4-FFF2-40B4-BE49-F238E27FC236}">
+                <a16:creationId xmlns:a16="http://schemas.microsoft.com/office/drawing/2014/main" id="{C07613C2-E593-D61B-3A34-B5DC01C7A032}"/>
+              </a:ext>
+            </a:extLst>
+          </p:cNvPr>
+          <p:cNvSpPr txBox="1"/>
+          <p:nvPr/>
+        </p:nvSpPr>
+        <p:spPr>
+          <a:xfrm>
+            <a:off x="6096000" y="3367431"/>
+            <a:ext cx="3855864" cy="369332"/>
+          </a:xfrm>
+          <a:prstGeom prst="rect">
+            <a:avLst/>
+          </a:prstGeom>
+          <a:noFill/>
+        </p:spPr>
+        <p:txBody>
+          <a:bodyPr wrap="none" rtlCol="0">
+            <a:spAutoFit/>
+          </a:bodyPr>
+          <a:lstStyle/>
+          <a:p>
+            <a:r>
+              <a:rPr lang="it-IT" dirty="0"/>
+              <a:t>Metterei i plot dove si vedono i p-</a:t>
+            </a:r>
+            <a:r>
+              <a:rPr lang="it-IT" dirty="0" err="1"/>
+              <a:t>value</a:t>
+            </a:r>
+            <a:endParaRPr lang="it-IT" dirty="0"/>
+          </a:p>
+        </p:txBody>
+      </p:sp>
     </p:spTree>
     <p:extLst>
       <p:ext uri="{BB962C8B-B14F-4D97-AF65-F5344CB8AC3E}">
@@ -6059,13 +6225,13 @@
   <p:clrMapOvr>
     <a:masterClrMapping/>
   </p:clrMapOvr>
-  <mc:AlternateContent xmlns:mc="http://schemas.openxmlformats.org/markup-compatibility/2006">
-    <mc:Choice xmlns:p159="http://schemas.microsoft.com/office/powerpoint/2015/09/main" Requires="p159">
+  <mc:AlternateContent xmlns:mc="http://schemas.openxmlformats.org/markup-compatibility/2006" xmlns:p159="http://schemas.microsoft.com/office/powerpoint/2015/09/main">
+    <mc:Choice Requires="p159">
       <p:transition xmlns:p14="http://schemas.microsoft.com/office/powerpoint/2010/main" spd="slow" p14:dur="2000">
         <p159:morph option="byObject"/>
       </p:transition>
     </mc:Choice>
-    <mc:Fallback>
+    <mc:Fallback xmlns="">
       <p:transition spd="slow">
         <p:fade/>
       </p:transition>
@@ -6205,13 +6371,13 @@
   <p:clrMapOvr>
     <a:masterClrMapping/>
   </p:clrMapOvr>
-  <mc:AlternateContent xmlns:mc="http://schemas.openxmlformats.org/markup-compatibility/2006">
-    <mc:Choice xmlns:p159="http://schemas.microsoft.com/office/powerpoint/2015/09/main" Requires="p159">
+  <mc:AlternateContent xmlns:mc="http://schemas.openxmlformats.org/markup-compatibility/2006" xmlns:p159="http://schemas.microsoft.com/office/powerpoint/2015/09/main">
+    <mc:Choice Requires="p159">
       <p:transition xmlns:p14="http://schemas.microsoft.com/office/powerpoint/2010/main" spd="slow" p14:dur="2000">
         <p159:morph option="byObject"/>
       </p:transition>
     </mc:Choice>
-    <mc:Fallback>
+    <mc:Fallback xmlns="">
       <p:transition spd="slow">
         <p:fade/>
       </p:transition>
@@ -6418,8 +6584,8 @@
           </a:p>
         </p:txBody>
       </p:sp>
-      <mc:AlternateContent xmlns:mc="http://schemas.openxmlformats.org/markup-compatibility/2006">
-        <mc:Choice xmlns:a14="http://schemas.microsoft.com/office/drawing/2010/main" Requires="a14">
+      <mc:AlternateContent xmlns:mc="http://schemas.openxmlformats.org/markup-compatibility/2006" xmlns:a14="http://schemas.microsoft.com/office/drawing/2010/main">
+        <mc:Choice Requires="a14">
           <p:sp>
             <p:nvSpPr>
               <p:cNvPr id="4" name="CasellaDiTesto 3">
@@ -7077,7 +7243,7 @@
             </p:txBody>
           </p:sp>
         </mc:Choice>
-        <mc:Fallback>
+        <mc:Fallback xmlns="">
           <p:sp>
             <p:nvSpPr>
               <p:cNvPr id="4" name="CasellaDiTesto 3">
@@ -7132,13 +7298,13 @@
   <p:clrMapOvr>
     <a:masterClrMapping/>
   </p:clrMapOvr>
-  <mc:AlternateContent xmlns:mc="http://schemas.openxmlformats.org/markup-compatibility/2006">
-    <mc:Choice xmlns:p159="http://schemas.microsoft.com/office/powerpoint/2015/09/main" Requires="p159">
+  <mc:AlternateContent xmlns:mc="http://schemas.openxmlformats.org/markup-compatibility/2006" xmlns:p159="http://schemas.microsoft.com/office/powerpoint/2015/09/main">
+    <mc:Choice Requires="p159">
       <p:transition xmlns:p14="http://schemas.microsoft.com/office/powerpoint/2010/main" spd="slow" p14:dur="2000">
         <p159:morph option="byObject"/>
       </p:transition>
     </mc:Choice>
-    <mc:Fallback>
+    <mc:Fallback xmlns="">
       <p:transition spd="slow">
         <p:fade/>
       </p:transition>
@@ -7279,7 +7445,7 @@
         <p:spPr>
           <a:xfrm>
             <a:off x="4495016" y="851703"/>
-            <a:ext cx="3306567" cy="3467378"/>
+            <a:ext cx="3641793" cy="3129989"/>
           </a:xfrm>
         </p:spPr>
         <p:txBody>
@@ -7292,31 +7458,59 @@
               <a:buNone/>
             </a:pPr>
             <a:r>
-              <a:rPr lang="it-IT" sz="1800" dirty="0"/>
+              <a:rPr lang="it-IT" sz="2000" b="1" dirty="0"/>
               <a:t>Gentrification and </a:t>
             </a:r>
             <a:r>
-              <a:rPr lang="it-IT" sz="1800" dirty="0" err="1"/>
+              <a:rPr lang="it-IT" sz="2000" b="1" dirty="0" err="1"/>
               <a:t>displacement</a:t>
             </a:r>
-            <a:endParaRPr lang="it-IT" sz="1800" dirty="0"/>
+            <a:endParaRPr lang="it-IT" sz="2000" b="1" dirty="0"/>
           </a:p>
           <a:p>
             <a:pPr marL="0" indent="0">
               <a:buNone/>
             </a:pPr>
             <a:r>
-              <a:rPr lang="it-IT" dirty="0"/>
+              <a:rPr lang="it-IT" sz="2000" dirty="0"/>
+              <a:t>With gentrification </a:t>
+            </a:r>
+            <a:r>
+              <a:rPr lang="it-IT" sz="2000" dirty="0" err="1"/>
+              <a:t>we</a:t>
+            </a:r>
+            <a:r>
+              <a:rPr lang="it-IT" sz="2000" dirty="0"/>
               <a:t> </a:t>
             </a:r>
             <a:r>
-              <a:rPr lang="it-IT" dirty="0" err="1"/>
-              <a:t>def</a:t>
-            </a:r>
-            <a:r>
-              <a:rPr lang="it-IT" dirty="0"/>
-              <a:t> in breve</a:t>
-            </a:r>
+              <a:rPr lang="it-IT" sz="2000" dirty="0" err="1"/>
+              <a:t>refer</a:t>
+            </a:r>
+            <a:r>
+              <a:rPr lang="it-IT" sz="2000" dirty="0"/>
+              <a:t> to </a:t>
+            </a:r>
+            <a:r>
+              <a:rPr lang="en-US" sz="2000" b="0" i="0" dirty="0">
+                <a:solidFill>
+                  <a:srgbClr val="202124"/>
+                </a:solidFill>
+                <a:effectLst/>
+              </a:rPr>
+              <a:t>the process whereby the character of a poor urban area is changed by wealthier people moving in, improving housing, and attracting new businesses, often displacing current inhabitants in the process</a:t>
+            </a:r>
+            <a:r>
+              <a:rPr lang="en-US" sz="2000" b="0" i="0" dirty="0">
+                <a:solidFill>
+                  <a:srgbClr val="202124"/>
+                </a:solidFill>
+                <a:effectLst/>
+                <a:latin typeface="arial" panose="020B0604020202020204" pitchFamily="34" charset="0"/>
+              </a:rPr>
+              <a:t>.</a:t>
+            </a:r>
+            <a:endParaRPr lang="it-IT" sz="2000" dirty="0"/>
           </a:p>
         </p:txBody>
       </p:sp>
@@ -7334,8 +7528,8 @@
         </p:nvSpPr>
         <p:spPr>
           <a:xfrm>
-            <a:off x="4495015" y="4947504"/>
-            <a:ext cx="6919274" cy="1477328"/>
+            <a:off x="4373095" y="4063584"/>
+            <a:ext cx="6919274" cy="1754326"/>
           </a:xfrm>
           <a:prstGeom prst="rect">
             <a:avLst/>
@@ -7426,6 +7620,46 @@
             </a:r>
             <a:r>
               <a:rPr lang="it-IT" dirty="0"/>
+              <a:t> and </a:t>
+            </a:r>
+            <a:r>
+              <a:rPr lang="it-IT" dirty="0" err="1"/>
+              <a:t>which</a:t>
+            </a:r>
+            <a:r>
+              <a:rPr lang="it-IT" dirty="0"/>
+              <a:t> </a:t>
+            </a:r>
+            <a:r>
+              <a:rPr lang="it-IT" dirty="0" err="1"/>
+              <a:t>factors</a:t>
+            </a:r>
+            <a:r>
+              <a:rPr lang="it-IT" dirty="0"/>
+              <a:t> </a:t>
+            </a:r>
+            <a:r>
+              <a:rPr lang="it-IT" dirty="0" err="1"/>
+              <a:t>drived</a:t>
+            </a:r>
+            <a:r>
+              <a:rPr lang="it-IT" dirty="0"/>
+              <a:t> </a:t>
+            </a:r>
+            <a:r>
+              <a:rPr lang="it-IT" dirty="0" err="1"/>
+              <a:t>those</a:t>
+            </a:r>
+            <a:r>
+              <a:rPr lang="it-IT" dirty="0"/>
+              <a:t> </a:t>
+            </a:r>
+            <a:r>
+              <a:rPr lang="it-IT" dirty="0" err="1"/>
+              <a:t>changes</a:t>
+            </a:r>
+            <a:r>
+              <a:rPr lang="it-IT" dirty="0"/>
               <a:t>.</a:t>
             </a:r>
           </a:p>
@@ -7466,11 +7700,11 @@
             </a:pPr>
             <a:r>
               <a:rPr lang="it-IT" dirty="0" err="1"/>
-              <a:t>Verify</a:t>
+              <a:t>Further</a:t>
             </a:r>
             <a:r>
               <a:rPr lang="it-IT" dirty="0"/>
-              <a:t> </a:t>
+              <a:t> validate </a:t>
             </a:r>
             <a:r>
               <a:rPr lang="it-IT" dirty="0" err="1"/>
@@ -7482,7 +7716,7 @@
             </a:r>
             <a:r>
               <a:rPr lang="it-IT" dirty="0" err="1"/>
-              <a:t>argument</a:t>
+              <a:t>topic</a:t>
             </a:r>
             <a:r>
               <a:rPr lang="it-IT" dirty="0"/>
@@ -7550,41 +7784,42 @@
           </a:p>
         </p:txBody>
       </p:sp>
-      <p:sp>
-        <p:nvSpPr>
-          <p:cNvPr id="13" name="CasellaDiTesto 12">
-            <a:extLst>
-              <a:ext uri="{FF2B5EF4-FFF2-40B4-BE49-F238E27FC236}">
-                <a16:creationId xmlns:a16="http://schemas.microsoft.com/office/drawing/2014/main" id="{127598C5-0546-2421-24A0-9E33A1E612AB}"/>
-              </a:ext>
-            </a:extLst>
-          </p:cNvPr>
-          <p:cNvSpPr txBox="1"/>
+      <p:pic>
+        <p:nvPicPr>
+          <p:cNvPr id="4" name="Immagine 3" descr="Immagine che contiene mappa&#10;&#10;Descrizione generata automaticamente">
+            <a:extLst>
+              <a:ext uri="{FF2B5EF4-FFF2-40B4-BE49-F238E27FC236}">
+                <a16:creationId xmlns:a16="http://schemas.microsoft.com/office/drawing/2014/main" id="{4570BFB4-94E0-47CD-D39C-58CD5444C8C4}"/>
+              </a:ext>
+            </a:extLst>
+          </p:cNvPr>
+          <p:cNvPicPr>
+            <a:picLocks noChangeAspect="1"/>
+          </p:cNvPicPr>
           <p:nvPr/>
-        </p:nvSpPr>
-        <p:spPr>
-          <a:xfrm>
-            <a:off x="9095361" y="2217907"/>
-            <a:ext cx="2237362" cy="369332"/>
+        </p:nvPicPr>
+        <p:blipFill>
+          <a:blip r:embed="rId2">
+            <a:extLst>
+              <a:ext uri="{28A0092B-C50C-407E-A947-70E740481C1C}">
+                <a14:useLocalDpi xmlns:a14="http://schemas.microsoft.com/office/drawing/2010/main" val="0"/>
+              </a:ext>
+            </a:extLst>
+          </a:blip>
+          <a:stretch>
+            <a:fillRect/>
+          </a:stretch>
+        </p:blipFill>
+        <p:spPr>
+          <a:xfrm>
+            <a:off x="8136809" y="0"/>
+            <a:ext cx="4055191" cy="3981692"/>
           </a:xfrm>
           <a:prstGeom prst="rect">
             <a:avLst/>
           </a:prstGeom>
-          <a:noFill/>
-        </p:spPr>
-        <p:txBody>
-          <a:bodyPr wrap="square" rtlCol="0">
-            <a:spAutoFit/>
-          </a:bodyPr>
-          <a:lstStyle/>
-          <a:p>
-            <a:r>
-              <a:rPr lang="it-IT" dirty="0"/>
-              <a:t>MAPPA MUTA SF</a:t>
-            </a:r>
-          </a:p>
-        </p:txBody>
-      </p:sp>
+        </p:spPr>
+      </p:pic>
     </p:spTree>
     <p:extLst>
       <p:ext uri="{BB962C8B-B14F-4D97-AF65-F5344CB8AC3E}">
@@ -7681,7 +7916,7 @@
         <p:spPr>
           <a:xfrm>
             <a:off x="4164685" y="1674674"/>
-            <a:ext cx="6006837" cy="3970318"/>
+            <a:ext cx="6006837" cy="4401205"/>
           </a:xfrm>
           <a:prstGeom prst="rect">
             <a:avLst/>
@@ -7772,6 +8007,46 @@
             </a:r>
             <a:r>
               <a:rPr lang="it-IT" sz="2800" dirty="0"/>
+              <a:t> and </a:t>
+            </a:r>
+            <a:r>
+              <a:rPr lang="it-IT" sz="2800" dirty="0" err="1"/>
+              <a:t>which</a:t>
+            </a:r>
+            <a:r>
+              <a:rPr lang="it-IT" sz="2800" dirty="0"/>
+              <a:t> </a:t>
+            </a:r>
+            <a:r>
+              <a:rPr lang="it-IT" sz="2800" dirty="0" err="1"/>
+              <a:t>factors</a:t>
+            </a:r>
+            <a:r>
+              <a:rPr lang="it-IT" sz="2800" dirty="0"/>
+              <a:t> </a:t>
+            </a:r>
+            <a:r>
+              <a:rPr lang="it-IT" sz="2800" dirty="0" err="1"/>
+              <a:t>drived</a:t>
+            </a:r>
+            <a:r>
+              <a:rPr lang="it-IT" sz="2800" dirty="0"/>
+              <a:t> </a:t>
+            </a:r>
+            <a:r>
+              <a:rPr lang="it-IT" sz="2800" dirty="0" err="1"/>
+              <a:t>those</a:t>
+            </a:r>
+            <a:r>
+              <a:rPr lang="it-IT" sz="2800" dirty="0"/>
+              <a:t> </a:t>
+            </a:r>
+            <a:r>
+              <a:rPr lang="it-IT" sz="2800" dirty="0" err="1"/>
+              <a:t>changes</a:t>
+            </a:r>
+            <a:r>
+              <a:rPr lang="it-IT" sz="2800" dirty="0"/>
               <a:t>.</a:t>
             </a:r>
           </a:p>
@@ -7794,7 +8069,15 @@
             </a:r>
             <a:r>
               <a:rPr lang="it-IT" sz="2800" dirty="0"/>
-              <a:t> government tools to tackle the problem of gentrification and </a:t>
+              <a:t> government tools to tackle the </a:t>
+            </a:r>
+            <a:r>
+              <a:rPr lang="it-IT" sz="2800" dirty="0" err="1"/>
+              <a:t>problem</a:t>
+            </a:r>
+            <a:r>
+              <a:rPr lang="it-IT" sz="2800" dirty="0"/>
+              <a:t> of gentrification and </a:t>
             </a:r>
             <a:r>
               <a:rPr lang="it-IT" sz="2800" dirty="0" err="1"/>
@@ -7812,11 +8095,11 @@
             </a:pPr>
             <a:r>
               <a:rPr lang="it-IT" sz="2800" dirty="0" err="1"/>
-              <a:t>Verify</a:t>
+              <a:t>Further</a:t>
             </a:r>
             <a:r>
               <a:rPr lang="it-IT" sz="2800" dirty="0"/>
-              <a:t> </a:t>
+              <a:t> validate </a:t>
             </a:r>
             <a:r>
               <a:rPr lang="it-IT" sz="2800" dirty="0" err="1"/>
@@ -7828,12 +8111,13 @@
             </a:r>
             <a:r>
               <a:rPr lang="it-IT" sz="2800" dirty="0" err="1"/>
-              <a:t>argument</a:t>
-            </a:r>
-            <a:r>
-              <a:rPr lang="it-IT" sz="2800" dirty="0"/>
+              <a:t>topic</a:t>
+            </a:r>
+            <a:r>
+              <a:rPr lang="it-IT" sz="2800"/>
               <a:t>.</a:t>
             </a:r>
+            <a:endParaRPr lang="it-IT" sz="2800" dirty="0"/>
           </a:p>
         </p:txBody>
       </p:sp>
@@ -10107,13 +10391,13 @@
   <p:clrMapOvr>
     <a:masterClrMapping/>
   </p:clrMapOvr>
-  <mc:AlternateContent xmlns:mc="http://schemas.openxmlformats.org/markup-compatibility/2006">
-    <mc:Choice xmlns:p159="http://schemas.microsoft.com/office/powerpoint/2015/09/main" Requires="p159">
+  <mc:AlternateContent xmlns:mc="http://schemas.openxmlformats.org/markup-compatibility/2006" xmlns:p159="http://schemas.microsoft.com/office/powerpoint/2015/09/main">
+    <mc:Choice Requires="p159">
       <p:transition xmlns:p14="http://schemas.microsoft.com/office/powerpoint/2010/main" spd="slow" p14:dur="2000">
         <p159:morph option="byObject"/>
       </p:transition>
     </mc:Choice>
-    <mc:Fallback>
+    <mc:Fallback xmlns="">
       <p:transition spd="slow">
         <p:fade/>
       </p:transition>
